--- a/project_exploring_bahart.ppt.pptx
+++ b/project_exploring_bahart.ppt.pptx
@@ -575,7 +575,7 @@
             </a:ln>
             <a:extLst>
               <a:ext uri="{91240B29-F687-4f45-9708-019B960494DF}">
-                <a14:hiddenLine xmlns:a14="http://schemas.microsoft.com/office/drawing/2010/main" xmlns="" w="9525">
+                <a14:hiddenLine xmlns="" xmlns:a14="http://schemas.microsoft.com/office/drawing/2010/main" w="9525">
                   <a:solidFill>
                     <a:srgbClr val="000000"/>
                   </a:solidFill>
@@ -772,7 +772,7 @@
           <a:p>
             <a:fld id="{2939AF66-1074-4CE8-9D10-DE1DE63D4892}" type="datetimeFigureOut">
               <a:rPr lang="en-US" smtClean="0"/>
-              <a:t>7/8/2020</a:t>
+              <a:t>7/12/2020</a:t>
             </a:fld>
             <a:endParaRPr lang="en-US" dirty="0"/>
           </a:p>
@@ -1656,7 +1656,7 @@
             </a:ln>
             <a:extLst>
               <a:ext uri="{91240B29-F687-4f45-9708-019B960494DF}">
-                <a14:hiddenLine xmlns:a14="http://schemas.microsoft.com/office/drawing/2010/main" xmlns="" w="9525">
+                <a14:hiddenLine xmlns="" xmlns:a14="http://schemas.microsoft.com/office/drawing/2010/main" w="9525">
                   <a:solidFill>
                     <a:srgbClr val="000000"/>
                   </a:solidFill>
@@ -1873,7 +1873,7 @@
           <a:p>
             <a:fld id="{2939AF66-1074-4CE8-9D10-DE1DE63D4892}" type="datetimeFigureOut">
               <a:rPr lang="en-US" smtClean="0"/>
-              <a:t>7/8/2020</a:t>
+              <a:t>7/12/2020</a:t>
             </a:fld>
             <a:endParaRPr lang="en-US" dirty="0"/>
           </a:p>
@@ -2742,7 +2742,7 @@
             </a:ln>
             <a:extLst>
               <a:ext uri="{91240B29-F687-4f45-9708-019B960494DF}">
-                <a14:hiddenLine xmlns:a14="http://schemas.microsoft.com/office/drawing/2010/main" xmlns="" w="9525">
+                <a14:hiddenLine xmlns="" xmlns:a14="http://schemas.microsoft.com/office/drawing/2010/main" w="9525">
                   <a:solidFill>
                     <a:srgbClr val="000000"/>
                   </a:solidFill>
@@ -2871,7 +2871,7 @@
           <a:p>
             <a:fld id="{2939AF66-1074-4CE8-9D10-DE1DE63D4892}" type="datetimeFigureOut">
               <a:rPr lang="en-US" smtClean="0"/>
-              <a:t>7/8/2020</a:t>
+              <a:t>7/12/2020</a:t>
             </a:fld>
             <a:endParaRPr lang="en-US" dirty="0"/>
           </a:p>
@@ -3703,7 +3703,7 @@
             </a:ln>
             <a:extLst>
               <a:ext uri="{91240B29-F687-4f45-9708-019B960494DF}">
-                <a14:hiddenLine xmlns:a14="http://schemas.microsoft.com/office/drawing/2010/main" xmlns="" w="9525">
+                <a14:hiddenLine xmlns="" xmlns:a14="http://schemas.microsoft.com/office/drawing/2010/main" w="9525">
                   <a:solidFill>
                     <a:srgbClr val="000000"/>
                   </a:solidFill>
@@ -3986,7 +3986,7 @@
           <a:p>
             <a:fld id="{2939AF66-1074-4CE8-9D10-DE1DE63D4892}" type="datetimeFigureOut">
               <a:rPr lang="en-US" smtClean="0"/>
-              <a:t>7/8/2020</a:t>
+              <a:t>7/12/2020</a:t>
             </a:fld>
             <a:endParaRPr lang="en-US" dirty="0"/>
           </a:p>
@@ -4818,7 +4818,7 @@
             </a:ln>
             <a:extLst>
               <a:ext uri="{91240B29-F687-4f45-9708-019B960494DF}">
-                <a14:hiddenLine xmlns:a14="http://schemas.microsoft.com/office/drawing/2010/main" xmlns="" w="9525">
+                <a14:hiddenLine xmlns="" xmlns:a14="http://schemas.microsoft.com/office/drawing/2010/main" w="9525">
                   <a:solidFill>
                     <a:srgbClr val="000000"/>
                   </a:solidFill>
@@ -5000,7 +5000,7 @@
           <a:p>
             <a:fld id="{2939AF66-1074-4CE8-9D10-DE1DE63D4892}" type="datetimeFigureOut">
               <a:rPr lang="en-US" smtClean="0"/>
-              <a:t>7/8/2020</a:t>
+              <a:t>7/12/2020</a:t>
             </a:fld>
             <a:endParaRPr lang="en-US" dirty="0"/>
           </a:p>
@@ -5672,7 +5672,7 @@
           <a:p>
             <a:fld id="{2939AF66-1074-4CE8-9D10-DE1DE63D4892}" type="datetimeFigureOut">
               <a:rPr lang="en-US" smtClean="0"/>
-              <a:t>7/8/2020</a:t>
+              <a:t>7/12/2020</a:t>
             </a:fld>
             <a:endParaRPr lang="en-US" dirty="0"/>
           </a:p>
@@ -6545,7 +6545,7 @@
           <a:p>
             <a:fld id="{2939AF66-1074-4CE8-9D10-DE1DE63D4892}" type="datetimeFigureOut">
               <a:rPr lang="en-US" smtClean="0"/>
-              <a:t>7/8/2020</a:t>
+              <a:t>7/12/2020</a:t>
             </a:fld>
             <a:endParaRPr lang="en-US" dirty="0"/>
           </a:p>
@@ -6732,7 +6732,7 @@
           <a:p>
             <a:fld id="{2939AF66-1074-4CE8-9D10-DE1DE63D4892}" type="datetimeFigureOut">
               <a:rPr lang="en-US" smtClean="0"/>
-              <a:t>7/8/2020</a:t>
+              <a:t>7/12/2020</a:t>
             </a:fld>
             <a:endParaRPr lang="en-US" dirty="0"/>
           </a:p>
@@ -7567,7 +7567,7 @@
           </a:ln>
           <a:extLst>
             <a:ext uri="{91240B29-F687-4f45-9708-019B960494DF}">
-              <a14:hiddenLine xmlns:a14="http://schemas.microsoft.com/office/drawing/2010/main" xmlns="" w="9525">
+              <a14:hiddenLine xmlns="" xmlns:a14="http://schemas.microsoft.com/office/drawing/2010/main" w="9525">
                 <a:solidFill>
                   <a:srgbClr val="000000"/>
                 </a:solidFill>
@@ -7681,7 +7681,7 @@
           <a:p>
             <a:fld id="{2939AF66-1074-4CE8-9D10-DE1DE63D4892}" type="datetimeFigureOut">
               <a:rPr lang="en-US" smtClean="0"/>
-              <a:t>7/8/2020</a:t>
+              <a:t>7/12/2020</a:t>
             </a:fld>
             <a:endParaRPr lang="en-US" dirty="0"/>
           </a:p>
@@ -7913,7 +7913,7 @@
           <a:p>
             <a:fld id="{2939AF66-1074-4CE8-9D10-DE1DE63D4892}" type="datetimeFigureOut">
               <a:rPr lang="en-US" smtClean="0"/>
-              <a:t>7/8/2020</a:t>
+              <a:t>7/12/2020</a:t>
             </a:fld>
             <a:endParaRPr lang="en-US" dirty="0"/>
           </a:p>
@@ -8742,7 +8742,7 @@
             </a:ln>
             <a:extLst>
               <a:ext uri="{91240B29-F687-4f45-9708-019B960494DF}">
-                <a14:hiddenLine xmlns:a14="http://schemas.microsoft.com/office/drawing/2010/main" xmlns="" w="9525">
+                <a14:hiddenLine xmlns="" xmlns:a14="http://schemas.microsoft.com/office/drawing/2010/main" w="9525">
                   <a:solidFill>
                     <a:srgbClr val="000000"/>
                   </a:solidFill>
@@ -8924,7 +8924,7 @@
           <a:p>
             <a:fld id="{2939AF66-1074-4CE8-9D10-DE1DE63D4892}" type="datetimeFigureOut">
               <a:rPr lang="en-US" smtClean="0"/>
-              <a:t>7/8/2020</a:t>
+              <a:t>7/12/2020</a:t>
             </a:fld>
             <a:endParaRPr lang="en-US" dirty="0"/>
           </a:p>
@@ -9208,7 +9208,7 @@
           <a:p>
             <a:fld id="{2939AF66-1074-4CE8-9D10-DE1DE63D4892}" type="datetimeFigureOut">
               <a:rPr lang="en-US" smtClean="0"/>
-              <a:t>7/8/2020</a:t>
+              <a:t>7/12/2020</a:t>
             </a:fld>
             <a:endParaRPr lang="en-US" dirty="0"/>
           </a:p>
@@ -9608,7 +9608,7 @@
           <a:p>
             <a:fld id="{2939AF66-1074-4CE8-9D10-DE1DE63D4892}" type="datetimeFigureOut">
               <a:rPr lang="en-US" smtClean="0"/>
-              <a:t>7/8/2020</a:t>
+              <a:t>7/12/2020</a:t>
             </a:fld>
             <a:endParaRPr lang="en-US" dirty="0"/>
           </a:p>
@@ -9738,7 +9738,7 @@
           <a:p>
             <a:fld id="{2939AF66-1074-4CE8-9D10-DE1DE63D4892}" type="datetimeFigureOut">
               <a:rPr lang="en-US" smtClean="0"/>
-              <a:t>7/8/2020</a:t>
+              <a:t>7/12/2020</a:t>
             </a:fld>
             <a:endParaRPr lang="en-US" dirty="0"/>
           </a:p>
@@ -9881,7 +9881,7 @@
           <a:p>
             <a:fld id="{2939AF66-1074-4CE8-9D10-DE1DE63D4892}" type="datetimeFigureOut">
               <a:rPr lang="en-US" smtClean="0"/>
-              <a:t>7/8/2020</a:t>
+              <a:t>7/12/2020</a:t>
             </a:fld>
             <a:endParaRPr lang="en-US" dirty="0"/>
           </a:p>
@@ -10710,7 +10710,7 @@
             </a:ln>
             <a:extLst>
               <a:ext uri="{91240B29-F687-4f45-9708-019B960494DF}">
-                <a14:hiddenLine xmlns:a14="http://schemas.microsoft.com/office/drawing/2010/main" xmlns="" w="9525">
+                <a14:hiddenLine xmlns="" xmlns:a14="http://schemas.microsoft.com/office/drawing/2010/main" w="9525">
                   <a:solidFill>
                     <a:srgbClr val="000000"/>
                   </a:solidFill>
@@ -10903,7 +10903,7 @@
           <a:p>
             <a:fld id="{2939AF66-1074-4CE8-9D10-DE1DE63D4892}" type="datetimeFigureOut">
               <a:rPr lang="en-US" smtClean="0"/>
-              <a:t>7/8/2020</a:t>
+              <a:t>7/12/2020</a:t>
             </a:fld>
             <a:endParaRPr lang="en-US" dirty="0"/>
           </a:p>
@@ -11768,7 +11768,7 @@
             </a:ln>
             <a:extLst>
               <a:ext uri="{91240B29-F687-4f45-9708-019B960494DF}">
-                <a14:hiddenLine xmlns:a14="http://schemas.microsoft.com/office/drawing/2010/main" xmlns="" w="9525">
+                <a14:hiddenLine xmlns="" xmlns:a14="http://schemas.microsoft.com/office/drawing/2010/main" w="9525">
                   <a:solidFill>
                     <a:srgbClr val="000000"/>
                   </a:solidFill>
@@ -11985,7 +11985,7 @@
           <a:p>
             <a:fld id="{2939AF66-1074-4CE8-9D10-DE1DE63D4892}" type="datetimeFigureOut">
               <a:rPr lang="en-US" smtClean="0"/>
-              <a:t>7/8/2020</a:t>
+              <a:t>7/12/2020</a:t>
             </a:fld>
             <a:endParaRPr lang="en-US" dirty="0"/>
           </a:p>
@@ -12818,7 +12818,7 @@
             </a:ln>
             <a:extLst>
               <a:ext uri="{91240B29-F687-4f45-9708-019B960494DF}">
-                <a14:hiddenLine xmlns:a14="http://schemas.microsoft.com/office/drawing/2010/main" xmlns="" w="9525">
+                <a14:hiddenLine xmlns="" xmlns:a14="http://schemas.microsoft.com/office/drawing/2010/main" w="9525">
                   <a:solidFill>
                     <a:srgbClr val="000000"/>
                   </a:solidFill>
@@ -12959,7 +12959,7 @@
           <a:p>
             <a:fld id="{2939AF66-1074-4CE8-9D10-DE1DE63D4892}" type="datetimeFigureOut">
               <a:rPr lang="en-US" smtClean="0"/>
-              <a:t>7/8/2020</a:t>
+              <a:t>7/12/2020</a:t>
             </a:fld>
             <a:endParaRPr lang="en-US" dirty="0"/>
           </a:p>
@@ -13536,11 +13536,30 @@
         </p:spPr>
         <p:txBody>
           <a:bodyPr>
-            <a:normAutofit/>
+            <a:noAutofit/>
           </a:bodyPr>
           <a:lstStyle/>
           <a:p>
-            <a:endParaRPr lang="en-US" dirty="0"/>
+            <a:r>
+              <a:rPr lang="en-US" sz="4800" dirty="0" smtClean="0">
+                <a:latin typeface="Algerian" panose="04020705040A02060702" pitchFamily="82" charset="0"/>
+              </a:rPr>
+              <a:t>PRESENTATION On</a:t>
+            </a:r>
+            <a:br>
+              <a:rPr lang="en-US" sz="4800" dirty="0" smtClean="0">
+                <a:latin typeface="Algerian" panose="04020705040A02060702" pitchFamily="82" charset="0"/>
+              </a:rPr>
+            </a:br>
+            <a:r>
+              <a:rPr lang="en-US" sz="4800" dirty="0" smtClean="0">
+                <a:latin typeface="Algerian" panose="04020705040A02060702" pitchFamily="82" charset="0"/>
+              </a:rPr>
+              <a:t>web application</a:t>
+            </a:r>
+            <a:endParaRPr lang="en-US" sz="4800" dirty="0">
+              <a:latin typeface="Algerian" panose="04020705040A02060702" pitchFamily="82" charset="0"/>
+            </a:endParaRPr>
           </a:p>
         </p:txBody>
       </p:sp>
@@ -13566,7 +13585,7 @@
         </p:blipFill>
         <p:spPr>
           <a:xfrm>
-            <a:off x="683568" y="2996952"/>
+            <a:off x="755576" y="3068960"/>
             <a:ext cx="7867650" cy="2009775"/>
           </a:xfrm>
           <a:prstGeom prst="rect">
